--- a/files/Trading robot.pptx
+++ b/files/Trading robot.pptx
@@ -9,14 +9,15 @@
     <p:sldId id="257" r:id="rId3"/>
     <p:sldId id="259" r:id="rId4"/>
     <p:sldId id="260" r:id="rId5"/>
-    <p:sldId id="258" r:id="rId6"/>
-    <p:sldId id="261" r:id="rId7"/>
-    <p:sldId id="262" r:id="rId8"/>
-    <p:sldId id="263" r:id="rId9"/>
-    <p:sldId id="264" r:id="rId10"/>
-    <p:sldId id="265" r:id="rId11"/>
-    <p:sldId id="266" r:id="rId12"/>
-    <p:sldId id="267" r:id="rId13"/>
+    <p:sldId id="268" r:id="rId6"/>
+    <p:sldId id="258" r:id="rId7"/>
+    <p:sldId id="261" r:id="rId8"/>
+    <p:sldId id="262" r:id="rId9"/>
+    <p:sldId id="263" r:id="rId10"/>
+    <p:sldId id="264" r:id="rId11"/>
+    <p:sldId id="265" r:id="rId12"/>
+    <p:sldId id="266" r:id="rId13"/>
+    <p:sldId id="267" r:id="rId14"/>
   </p:sldIdLst>
   <p:sldSz cx="12192000" cy="6858000"/>
   <p:notesSz cx="6858000" cy="9144000"/>
@@ -115,6 +116,11 @@
       </a:defRPr>
     </a:lvl9pPr>
   </p:defaultTextStyle>
+  <p:extLst>
+    <p:ext uri="{EFAFB233-063F-42B5-8137-9DF3F51BA10A}">
+      <p15:sldGuideLst xmlns:p15="http://schemas.microsoft.com/office/powerpoint/2012/main"/>
+    </p:ext>
+  </p:extLst>
 </p:presentation>
 </file>
 
@@ -4336,7 +4342,7 @@
         </p:spPr>
         <p:txBody>
           <a:bodyPr>
-            <a:normAutofit/>
+            <a:normAutofit fontScale="92500" lnSpcReduction="10000"/>
           </a:bodyPr>
           <a:lstStyle/>
           <a:p>
@@ -4349,6 +4355,12 @@
               <a:t>Ilinca</a:t>
             </a:r>
             <a:endParaRPr lang="en-US" dirty="0"/>
+          </a:p>
+          <a:p>
+            <a:r>
+              <a:rPr lang="en-US" dirty="0"/>
+              <a:t>Supervised by: Pop Daniel</a:t>
+            </a:r>
           </a:p>
         </p:txBody>
       </p:sp>
@@ -4555,13 +4567,13 @@
   <p:clrMapOvr>
     <a:masterClrMapping/>
   </p:clrMapOvr>
-  <mc:AlternateContent xmlns:mc="http://schemas.openxmlformats.org/markup-compatibility/2006">
-    <mc:Choice xmlns:p159="http://schemas.microsoft.com/office/powerpoint/2015/09/main" Requires="p159">
+  <mc:AlternateContent xmlns:mc="http://schemas.openxmlformats.org/markup-compatibility/2006" xmlns:p159="http://schemas.microsoft.com/office/powerpoint/2015/09/main">
+    <mc:Choice Requires="p159">
       <p:transition xmlns:p14="http://schemas.microsoft.com/office/powerpoint/2010/main" spd="slow" p14:dur="2000">
         <p159:morph option="byObject"/>
       </p:transition>
     </mc:Choice>
-    <mc:Fallback>
+    <mc:Fallback xmlns="">
       <p:transition spd="slow">
         <p:fade/>
       </p:transition>
@@ -4571,6 +4583,77 @@
 </file>
 
 <file path=ppt/slides/slide10.xml><?xml version="1.0" encoding="utf-8"?>
+<p:sld xmlns:a="http://schemas.openxmlformats.org/drawingml/2006/main" xmlns:r="http://schemas.openxmlformats.org/officeDocument/2006/relationships" xmlns:p="http://schemas.openxmlformats.org/presentationml/2006/main">
+  <p:cSld>
+    <p:spTree>
+      <p:nvGrpSpPr>
+        <p:cNvPr id="1" name=""/>
+        <p:cNvGrpSpPr/>
+        <p:nvPr/>
+      </p:nvGrpSpPr>
+      <p:grpSpPr>
+        <a:xfrm>
+          <a:off x="0" y="0"/>
+          <a:ext cx="0" cy="0"/>
+          <a:chOff x="0" y="0"/>
+          <a:chExt cx="0" cy="0"/>
+        </a:xfrm>
+      </p:grpSpPr>
+      <p:pic>
+        <p:nvPicPr>
+          <p:cNvPr id="5" name="Content Placeholder 4">
+            <a:extLst>
+              <a:ext uri="{FF2B5EF4-FFF2-40B4-BE49-F238E27FC236}">
+                <a16:creationId xmlns:a16="http://schemas.microsoft.com/office/drawing/2014/main" id="{C9893BF1-1361-4BB9-9F63-E4B5B776B06E}"/>
+              </a:ext>
+            </a:extLst>
+          </p:cNvPr>
+          <p:cNvPicPr>
+            <a:picLocks noGrp="1" noChangeAspect="1"/>
+          </p:cNvPicPr>
+          <p:nvPr>
+            <p:ph idx="1"/>
+          </p:nvPr>
+        </p:nvPicPr>
+        <p:blipFill>
+          <a:blip r:embed="rId2"/>
+          <a:stretch>
+            <a:fillRect/>
+          </a:stretch>
+        </p:blipFill>
+        <p:spPr>
+          <a:xfrm>
+            <a:off x="877758" y="274782"/>
+            <a:ext cx="10204999" cy="6308435"/>
+          </a:xfrm>
+        </p:spPr>
+      </p:pic>
+    </p:spTree>
+    <p:extLst>
+      <p:ext uri="{BB962C8B-B14F-4D97-AF65-F5344CB8AC3E}">
+        <p14:creationId xmlns:p14="http://schemas.microsoft.com/office/powerpoint/2010/main" val="2630258972"/>
+      </p:ext>
+    </p:extLst>
+  </p:cSld>
+  <p:clrMapOvr>
+    <a:masterClrMapping/>
+  </p:clrMapOvr>
+  <mc:AlternateContent xmlns:mc="http://schemas.openxmlformats.org/markup-compatibility/2006" xmlns:p14="http://schemas.microsoft.com/office/powerpoint/2010/main">
+    <mc:Choice Requires="p14">
+      <p:transition spd="slow" p14:dur="3400">
+        <p14:reveal/>
+      </p:transition>
+    </mc:Choice>
+    <mc:Fallback xmlns="">
+      <p:transition spd="slow">
+        <p:fade/>
+      </p:transition>
+    </mc:Fallback>
+  </mc:AlternateContent>
+</p:sld>
+</file>
+
+<file path=ppt/slides/slide11.xml><?xml version="1.0" encoding="utf-8"?>
 <p:sld xmlns:a="http://schemas.openxmlformats.org/drawingml/2006/main" xmlns:r="http://schemas.openxmlformats.org/officeDocument/2006/relationships" xmlns:p="http://schemas.openxmlformats.org/presentationml/2006/main">
   <p:cSld>
     <p:spTree>
@@ -4632,7 +4715,7 @@
 </p:sld>
 </file>
 
-<file path=ppt/slides/slide11.xml><?xml version="1.0" encoding="utf-8"?>
+<file path=ppt/slides/slide12.xml><?xml version="1.0" encoding="utf-8"?>
 <p:sld xmlns:a="http://schemas.openxmlformats.org/drawingml/2006/main" xmlns:r="http://schemas.openxmlformats.org/officeDocument/2006/relationships" xmlns:p="http://schemas.openxmlformats.org/presentationml/2006/main">
   <p:cSld>
     <p:spTree>
@@ -4688,13 +4771,13 @@
   <p:clrMapOvr>
     <a:masterClrMapping/>
   </p:clrMapOvr>
-  <mc:AlternateContent xmlns:mc="http://schemas.openxmlformats.org/markup-compatibility/2006">
-    <mc:Choice xmlns:p14="http://schemas.microsoft.com/office/powerpoint/2010/main" Requires="p14">
+  <mc:AlternateContent xmlns:mc="http://schemas.openxmlformats.org/markup-compatibility/2006" xmlns:p14="http://schemas.microsoft.com/office/powerpoint/2010/main">
+    <mc:Choice Requires="p14">
       <p:transition spd="slow" p14:dur="1500">
         <p:split orient="vert"/>
       </p:transition>
     </mc:Choice>
-    <mc:Fallback>
+    <mc:Fallback xmlns="">
       <p:transition spd="slow">
         <p:split orient="vert"/>
       </p:transition>
@@ -4703,7 +4786,7 @@
 </p:sld>
 </file>
 
-<file path=ppt/slides/slide12.xml><?xml version="1.0" encoding="utf-8"?>
+<file path=ppt/slides/slide13.xml><?xml version="1.0" encoding="utf-8"?>
 <p:sld xmlns:a="http://schemas.openxmlformats.org/drawingml/2006/main" xmlns:r="http://schemas.openxmlformats.org/officeDocument/2006/relationships" xmlns:p="http://schemas.openxmlformats.org/presentationml/2006/main">
   <p:cSld>
     <p:spTree>
@@ -4765,13 +4848,13 @@
   <p:clrMapOvr>
     <a:masterClrMapping/>
   </p:clrMapOvr>
-  <mc:AlternateContent xmlns:mc="http://schemas.openxmlformats.org/markup-compatibility/2006">
-    <mc:Choice xmlns:p14="http://schemas.microsoft.com/office/powerpoint/2010/main" Requires="p14">
+  <mc:AlternateContent xmlns:mc="http://schemas.openxmlformats.org/markup-compatibility/2006" xmlns:p14="http://schemas.microsoft.com/office/powerpoint/2010/main">
+    <mc:Choice Requires="p14">
       <p:transition spd="slow">
         <p14:flash/>
       </p:transition>
     </mc:Choice>
-    <mc:Fallback>
+    <mc:Fallback xmlns="">
       <p:transition spd="slow">
         <p:fade/>
       </p:transition>
@@ -4909,13 +4992,13 @@
   <p:clrMapOvr>
     <a:masterClrMapping/>
   </p:clrMapOvr>
-  <mc:AlternateContent xmlns:mc="http://schemas.openxmlformats.org/markup-compatibility/2006">
-    <mc:Choice xmlns:p15="http://schemas.microsoft.com/office/powerpoint/2012/main" Requires="p15">
+  <mc:AlternateContent xmlns:mc="http://schemas.openxmlformats.org/markup-compatibility/2006" xmlns:p15="http://schemas.microsoft.com/office/powerpoint/2012/main">
+    <mc:Choice Requires="p15">
       <p:transition xmlns:p14="http://schemas.microsoft.com/office/powerpoint/2010/main" spd="slow" p14:dur="2000">
         <p15:prstTrans prst="fallOver"/>
       </p:transition>
     </mc:Choice>
-    <mc:Fallback>
+    <mc:Fallback xmlns="">
       <p:transition spd="slow">
         <p:fade/>
       </p:transition>
@@ -4986,13 +5069,13 @@
   <p:clrMapOvr>
     <a:masterClrMapping/>
   </p:clrMapOvr>
-  <mc:AlternateContent xmlns:mc="http://schemas.openxmlformats.org/markup-compatibility/2006">
-    <mc:Choice xmlns:p15="http://schemas.microsoft.com/office/powerpoint/2012/main" Requires="p15">
+  <mc:AlternateContent xmlns:mc="http://schemas.openxmlformats.org/markup-compatibility/2006" xmlns:p15="http://schemas.microsoft.com/office/powerpoint/2012/main">
+    <mc:Choice Requires="p15">
       <p:transition xmlns:p14="http://schemas.microsoft.com/office/powerpoint/2010/main" spd="slow" p14:dur="2000">
         <p15:prstTrans prst="drape"/>
       </p:transition>
     </mc:Choice>
-    <mc:Fallback>
+    <mc:Fallback xmlns="">
       <p:transition spd="slow">
         <p:fade/>
       </p:transition>
@@ -5063,13 +5146,13 @@
   <p:clrMapOvr>
     <a:masterClrMapping/>
   </p:clrMapOvr>
-  <mc:AlternateContent xmlns:mc="http://schemas.openxmlformats.org/markup-compatibility/2006">
-    <mc:Choice xmlns:p15="http://schemas.microsoft.com/office/powerpoint/2012/main" Requires="p15">
+  <mc:AlternateContent xmlns:mc="http://schemas.openxmlformats.org/markup-compatibility/2006" xmlns:p15="http://schemas.microsoft.com/office/powerpoint/2012/main">
+    <mc:Choice Requires="p15">
       <p:transition xmlns:p14="http://schemas.microsoft.com/office/powerpoint/2010/main" spd="slow" p14:dur="2000">
         <p15:prstTrans prst="wind"/>
       </p:transition>
     </mc:Choice>
-    <mc:Fallback>
+    <mc:Fallback xmlns="">
       <p:transition spd="slow">
         <p:fade/>
       </p:transition>
@@ -5095,93 +5178,45 @@
           <a:chExt cx="0" cy="0"/>
         </a:xfrm>
       </p:grpSpPr>
-      <p:sp>
-        <p:nvSpPr>
-          <p:cNvPr id="2" name="Title 1">
-            <a:extLst>
-              <a:ext uri="{FF2B5EF4-FFF2-40B4-BE49-F238E27FC236}">
-                <a16:creationId xmlns:a16="http://schemas.microsoft.com/office/drawing/2014/main" id="{9EFB3799-2587-424D-A913-F6134D2C4261}"/>
-              </a:ext>
-            </a:extLst>
-          </p:cNvPr>
-          <p:cNvSpPr>
-            <a:spLocks noGrp="1"/>
-          </p:cNvSpPr>
-          <p:nvPr>
-            <p:ph type="title"/>
-          </p:nvPr>
-        </p:nvSpPr>
+      <p:pic>
+        <p:nvPicPr>
+          <p:cNvPr id="5" name="Content Placeholder 4" descr="Graphical user interface, application&#10;&#10;Description automatically generated">
+            <a:extLst>
+              <a:ext uri="{FF2B5EF4-FFF2-40B4-BE49-F238E27FC236}">
+                <a16:creationId xmlns:a16="http://schemas.microsoft.com/office/drawing/2014/main" id="{E0BE200C-E5B9-4C8F-8593-B088ED472769}"/>
+              </a:ext>
+            </a:extLst>
+          </p:cNvPr>
+          <p:cNvPicPr>
+            <a:picLocks noGrp="1" noChangeAspect="1"/>
+          </p:cNvPicPr>
+          <p:nvPr>
+            <p:ph idx="1"/>
+          </p:nvPr>
+        </p:nvPicPr>
+        <p:blipFill>
+          <a:blip r:embed="rId2">
+            <a:extLst>
+              <a:ext uri="{28A0092B-C50C-407E-A947-70E740481C1C}">
+                <a14:useLocalDpi xmlns:a14="http://schemas.microsoft.com/office/drawing/2010/main" val="0"/>
+              </a:ext>
+            </a:extLst>
+          </a:blip>
+          <a:stretch>
+            <a:fillRect/>
+          </a:stretch>
+        </p:blipFill>
         <p:spPr>
           <a:xfrm>
-            <a:off x="1028700" y="723901"/>
-            <a:ext cx="10134600" cy="587664"/>
+            <a:off x="175491" y="164824"/>
+            <a:ext cx="11896435" cy="6540776"/>
           </a:xfrm>
         </p:spPr>
-        <p:txBody>
-          <a:bodyPr>
-            <a:normAutofit fontScale="90000"/>
-          </a:bodyPr>
-          <a:lstStyle/>
-          <a:p>
-            <a:r>
-              <a:rPr lang="en-US" dirty="0"/>
-              <a:t>Solution</a:t>
-            </a:r>
-          </a:p>
-        </p:txBody>
-      </p:sp>
-      <p:sp>
-        <p:nvSpPr>
-          <p:cNvPr id="3" name="Content Placeholder 2">
-            <a:extLst>
-              <a:ext uri="{FF2B5EF4-FFF2-40B4-BE49-F238E27FC236}">
-                <a16:creationId xmlns:a16="http://schemas.microsoft.com/office/drawing/2014/main" id="{47C22C65-18E6-476A-8BC6-FF6DB2661C8E}"/>
-              </a:ext>
-            </a:extLst>
-          </p:cNvPr>
-          <p:cNvSpPr>
-            <a:spLocks noGrp="1"/>
-          </p:cNvSpPr>
-          <p:nvPr>
-            <p:ph idx="1"/>
-          </p:nvPr>
-        </p:nvSpPr>
-        <p:spPr>
-          <a:xfrm>
-            <a:off x="1028700" y="1607127"/>
-            <a:ext cx="10134600" cy="4524118"/>
-          </a:xfrm>
-        </p:spPr>
-        <p:txBody>
-          <a:bodyPr/>
-          <a:lstStyle/>
-          <a:p>
-            <a:pPr marL="342900" indent="-342900">
-              <a:buFont typeface="Arial" panose="020B0604020202020204" pitchFamily="34" charset="0"/>
-              <a:buChar char="•"/>
-            </a:pPr>
-            <a:r>
-              <a:rPr lang="en-US" dirty="0" err="1"/>
-              <a:t>Automatisation</a:t>
-            </a:r>
-            <a:endParaRPr lang="en-US" dirty="0"/>
-          </a:p>
-          <a:p>
-            <a:pPr marL="342900" indent="-342900">
-              <a:buFont typeface="Arial" panose="020B0604020202020204" pitchFamily="34" charset="0"/>
-              <a:buChar char="•"/>
-            </a:pPr>
-            <a:r>
-              <a:rPr lang="en-US" dirty="0"/>
-              <a:t>Have a robot do the job for you</a:t>
-            </a:r>
-          </a:p>
-        </p:txBody>
-      </p:sp>
+      </p:pic>
     </p:spTree>
     <p:extLst>
       <p:ext uri="{BB962C8B-B14F-4D97-AF65-F5344CB8AC3E}">
-        <p14:creationId xmlns:p14="http://schemas.microsoft.com/office/powerpoint/2010/main" val="2215427956"/>
+        <p14:creationId xmlns:p14="http://schemas.microsoft.com/office/powerpoint/2010/main" val="2948671529"/>
       </p:ext>
     </p:extLst>
   </p:cSld>
@@ -5189,13 +5224,13 @@
     <a:masterClrMapping/>
   </p:clrMapOvr>
   <mc:AlternateContent xmlns:mc="http://schemas.openxmlformats.org/markup-compatibility/2006">
-    <mc:Choice xmlns:p14="http://schemas.microsoft.com/office/powerpoint/2010/main" Requires="p14">
-      <p:transition spd="med" p14:dur="700">
-        <p:fade/>
+    <mc:Choice xmlns:p15="http://schemas.microsoft.com/office/powerpoint/2012/main" Requires="p15">
+      <p:transition xmlns:p14="http://schemas.microsoft.com/office/powerpoint/2010/main" spd="slow" p14:dur="2000">
+        <p15:prstTrans prst="crush"/>
       </p:transition>
     </mc:Choice>
     <mc:Fallback>
-      <p:transition spd="med">
+      <p:transition spd="slow">
         <p:fade/>
       </p:transition>
     </mc:Fallback>
@@ -5220,59 +5255,107 @@
           <a:chExt cx="0" cy="0"/>
         </a:xfrm>
       </p:grpSpPr>
-      <p:pic>
-        <p:nvPicPr>
-          <p:cNvPr id="5" name="Content Placeholder 4" descr="Calendar&#10;&#10;Description automatically generated">
-            <a:extLst>
-              <a:ext uri="{FF2B5EF4-FFF2-40B4-BE49-F238E27FC236}">
-                <a16:creationId xmlns:a16="http://schemas.microsoft.com/office/drawing/2014/main" id="{5A50A58D-32DC-4DBE-B52F-671C1A834834}"/>
-              </a:ext>
-            </a:extLst>
-          </p:cNvPr>
-          <p:cNvPicPr>
-            <a:picLocks noGrp="1" noChangeAspect="1"/>
-          </p:cNvPicPr>
-          <p:nvPr>
-            <p:ph idx="1"/>
-          </p:nvPr>
-        </p:nvPicPr>
-        <p:blipFill>
-          <a:blip r:embed="rId2">
-            <a:extLst>
-              <a:ext uri="{28A0092B-C50C-407E-A947-70E740481C1C}">
-                <a14:useLocalDpi xmlns:a14="http://schemas.microsoft.com/office/drawing/2010/main" val="0"/>
-              </a:ext>
-            </a:extLst>
-          </a:blip>
-          <a:stretch>
-            <a:fillRect/>
-          </a:stretch>
-        </p:blipFill>
+      <p:sp>
+        <p:nvSpPr>
+          <p:cNvPr id="2" name="Title 1">
+            <a:extLst>
+              <a:ext uri="{FF2B5EF4-FFF2-40B4-BE49-F238E27FC236}">
+                <a16:creationId xmlns:a16="http://schemas.microsoft.com/office/drawing/2014/main" id="{9EFB3799-2587-424D-A913-F6134D2C4261}"/>
+              </a:ext>
+            </a:extLst>
+          </p:cNvPr>
+          <p:cNvSpPr>
+            <a:spLocks noGrp="1"/>
+          </p:cNvSpPr>
+          <p:nvPr>
+            <p:ph type="title"/>
+          </p:nvPr>
+        </p:nvSpPr>
         <p:spPr>
           <a:xfrm>
-            <a:off x="157018" y="677386"/>
-            <a:ext cx="11877964" cy="5320665"/>
+            <a:off x="1028700" y="723901"/>
+            <a:ext cx="10134600" cy="587664"/>
           </a:xfrm>
         </p:spPr>
-      </p:pic>
+        <p:txBody>
+          <a:bodyPr>
+            <a:normAutofit fontScale="90000"/>
+          </a:bodyPr>
+          <a:lstStyle/>
+          <a:p>
+            <a:r>
+              <a:rPr lang="en-US" dirty="0"/>
+              <a:t>Solution</a:t>
+            </a:r>
+          </a:p>
+        </p:txBody>
+      </p:sp>
+      <p:sp>
+        <p:nvSpPr>
+          <p:cNvPr id="3" name="Content Placeholder 2">
+            <a:extLst>
+              <a:ext uri="{FF2B5EF4-FFF2-40B4-BE49-F238E27FC236}">
+                <a16:creationId xmlns:a16="http://schemas.microsoft.com/office/drawing/2014/main" id="{47C22C65-18E6-476A-8BC6-FF6DB2661C8E}"/>
+              </a:ext>
+            </a:extLst>
+          </p:cNvPr>
+          <p:cNvSpPr>
+            <a:spLocks noGrp="1"/>
+          </p:cNvSpPr>
+          <p:nvPr>
+            <p:ph idx="1"/>
+          </p:nvPr>
+        </p:nvSpPr>
+        <p:spPr>
+          <a:xfrm>
+            <a:off x="1028700" y="1607127"/>
+            <a:ext cx="10134600" cy="4524118"/>
+          </a:xfrm>
+        </p:spPr>
+        <p:txBody>
+          <a:bodyPr/>
+          <a:lstStyle/>
+          <a:p>
+            <a:pPr marL="342900" indent="-342900">
+              <a:buFont typeface="Arial" panose="020B0604020202020204" pitchFamily="34" charset="0"/>
+              <a:buChar char="•"/>
+            </a:pPr>
+            <a:r>
+              <a:rPr lang="en-US" dirty="0" err="1"/>
+              <a:t>Automatisation</a:t>
+            </a:r>
+            <a:endParaRPr lang="en-US" dirty="0"/>
+          </a:p>
+          <a:p>
+            <a:pPr marL="342900" indent="-342900">
+              <a:buFont typeface="Arial" panose="020B0604020202020204" pitchFamily="34" charset="0"/>
+              <a:buChar char="•"/>
+            </a:pPr>
+            <a:r>
+              <a:rPr lang="en-US" dirty="0"/>
+              <a:t>Have a robot do the job for you</a:t>
+            </a:r>
+          </a:p>
+        </p:txBody>
+      </p:sp>
     </p:spTree>
     <p:extLst>
       <p:ext uri="{BB962C8B-B14F-4D97-AF65-F5344CB8AC3E}">
-        <p14:creationId xmlns:p14="http://schemas.microsoft.com/office/powerpoint/2010/main" val="4178979905"/>
+        <p14:creationId xmlns:p14="http://schemas.microsoft.com/office/powerpoint/2010/main" val="2215427956"/>
       </p:ext>
     </p:extLst>
   </p:cSld>
   <p:clrMapOvr>
     <a:masterClrMapping/>
   </p:clrMapOvr>
-  <mc:AlternateContent xmlns:mc="http://schemas.openxmlformats.org/markup-compatibility/2006">
-    <mc:Choice xmlns:p15="http://schemas.microsoft.com/office/powerpoint/2012/main" Requires="p15">
-      <p:transition xmlns:p14="http://schemas.microsoft.com/office/powerpoint/2010/main" spd="slow" p14:dur="6000">
-        <p15:prstTrans prst="curtains"/>
+  <mc:AlternateContent xmlns:mc="http://schemas.openxmlformats.org/markup-compatibility/2006" xmlns:p14="http://schemas.microsoft.com/office/powerpoint/2010/main">
+    <mc:Choice Requires="p14">
+      <p:transition spd="med" p14:dur="700">
+        <p:fade/>
       </p:transition>
     </mc:Choice>
-    <mc:Fallback>
-      <p:transition spd="slow">
+    <mc:Fallback xmlns="">
+      <p:transition spd="med">
         <p:fade/>
       </p:transition>
     </mc:Fallback>
@@ -5297,6 +5380,83 @@
           <a:chExt cx="0" cy="0"/>
         </a:xfrm>
       </p:grpSpPr>
+      <p:pic>
+        <p:nvPicPr>
+          <p:cNvPr id="5" name="Content Placeholder 4" descr="Calendar&#10;&#10;Description automatically generated">
+            <a:extLst>
+              <a:ext uri="{FF2B5EF4-FFF2-40B4-BE49-F238E27FC236}">
+                <a16:creationId xmlns:a16="http://schemas.microsoft.com/office/drawing/2014/main" id="{5A50A58D-32DC-4DBE-B52F-671C1A834834}"/>
+              </a:ext>
+            </a:extLst>
+          </p:cNvPr>
+          <p:cNvPicPr>
+            <a:picLocks noGrp="1" noChangeAspect="1"/>
+          </p:cNvPicPr>
+          <p:nvPr>
+            <p:ph idx="1"/>
+          </p:nvPr>
+        </p:nvPicPr>
+        <p:blipFill>
+          <a:blip r:embed="rId2">
+            <a:extLst>
+              <a:ext uri="{28A0092B-C50C-407E-A947-70E740481C1C}">
+                <a14:useLocalDpi xmlns:a14="http://schemas.microsoft.com/office/drawing/2010/main" val="0"/>
+              </a:ext>
+            </a:extLst>
+          </a:blip>
+          <a:stretch>
+            <a:fillRect/>
+          </a:stretch>
+        </p:blipFill>
+        <p:spPr>
+          <a:xfrm>
+            <a:off x="157018" y="677386"/>
+            <a:ext cx="11877964" cy="5320665"/>
+          </a:xfrm>
+        </p:spPr>
+      </p:pic>
+    </p:spTree>
+    <p:extLst>
+      <p:ext uri="{BB962C8B-B14F-4D97-AF65-F5344CB8AC3E}">
+        <p14:creationId xmlns:p14="http://schemas.microsoft.com/office/powerpoint/2010/main" val="4178979905"/>
+      </p:ext>
+    </p:extLst>
+  </p:cSld>
+  <p:clrMapOvr>
+    <a:masterClrMapping/>
+  </p:clrMapOvr>
+  <mc:AlternateContent xmlns:mc="http://schemas.openxmlformats.org/markup-compatibility/2006" xmlns:p15="http://schemas.microsoft.com/office/powerpoint/2012/main">
+    <mc:Choice Requires="p15">
+      <p:transition xmlns:p14="http://schemas.microsoft.com/office/powerpoint/2010/main" spd="slow" p14:dur="6000">
+        <p15:prstTrans prst="curtains"/>
+      </p:transition>
+    </mc:Choice>
+    <mc:Fallback xmlns="">
+      <p:transition spd="slow">
+        <p:fade/>
+      </p:transition>
+    </mc:Fallback>
+  </mc:AlternateContent>
+</p:sld>
+</file>
+
+<file path=ppt/slides/slide8.xml><?xml version="1.0" encoding="utf-8"?>
+<p:sld xmlns:a="http://schemas.openxmlformats.org/drawingml/2006/main" xmlns:r="http://schemas.openxmlformats.org/officeDocument/2006/relationships" xmlns:p="http://schemas.openxmlformats.org/presentationml/2006/main">
+  <p:cSld>
+    <p:spTree>
+      <p:nvGrpSpPr>
+        <p:cNvPr id="1" name=""/>
+        <p:cNvGrpSpPr/>
+        <p:nvPr/>
+      </p:nvGrpSpPr>
+      <p:grpSpPr>
+        <a:xfrm>
+          <a:off x="0" y="0"/>
+          <a:ext cx="0" cy="0"/>
+          <a:chOff x="0" y="0"/>
+          <a:chExt cx="0" cy="0"/>
+        </a:xfrm>
+      </p:grpSpPr>
       <p:sp>
         <p:nvSpPr>
           <p:cNvPr id="2" name="Title 1">
@@ -5462,13 +5622,13 @@
   <p:clrMapOvr>
     <a:masterClrMapping/>
   </p:clrMapOvr>
-  <mc:AlternateContent xmlns:mc="http://schemas.openxmlformats.org/markup-compatibility/2006">
-    <mc:Choice xmlns:p159="http://schemas.microsoft.com/office/powerpoint/2015/09/main" Requires="p159">
+  <mc:AlternateContent xmlns:mc="http://schemas.openxmlformats.org/markup-compatibility/2006" xmlns:p159="http://schemas.microsoft.com/office/powerpoint/2015/09/main">
+    <mc:Choice Requires="p159">
       <p:transition xmlns:p14="http://schemas.microsoft.com/office/powerpoint/2010/main" spd="slow" p14:dur="2000">
         <p159:morph option="byObject"/>
       </p:transition>
     </mc:Choice>
-    <mc:Fallback>
+    <mc:Fallback xmlns="">
       <p:transition spd="slow">
         <p:fade/>
       </p:transition>
@@ -5477,7 +5637,7 @@
 </p:sld>
 </file>
 
-<file path=ppt/slides/slide8.xml><?xml version="1.0" encoding="utf-8"?>
+<file path=ppt/slides/slide9.xml><?xml version="1.0" encoding="utf-8"?>
 <p:sld xmlns:a="http://schemas.openxmlformats.org/drawingml/2006/main" xmlns:r="http://schemas.openxmlformats.org/officeDocument/2006/relationships" xmlns:p="http://schemas.openxmlformats.org/presentationml/2006/main">
   <p:cSld>
     <p:spTree>
@@ -5593,85 +5753,14 @@
   <p:clrMapOvr>
     <a:masterClrMapping/>
   </p:clrMapOvr>
-  <mc:AlternateContent xmlns:mc="http://schemas.openxmlformats.org/markup-compatibility/2006">
-    <mc:Choice xmlns:p14="http://schemas.microsoft.com/office/powerpoint/2010/main" Requires="p14">
+  <mc:AlternateContent xmlns:mc="http://schemas.openxmlformats.org/markup-compatibility/2006" xmlns:p14="http://schemas.microsoft.com/office/powerpoint/2010/main">
+    <mc:Choice Requires="p14">
       <p:transition spd="med" p14:dur="700">
         <p:fade/>
       </p:transition>
     </mc:Choice>
-    <mc:Fallback>
+    <mc:Fallback xmlns="">
       <p:transition spd="med">
-        <p:fade/>
-      </p:transition>
-    </mc:Fallback>
-  </mc:AlternateContent>
-</p:sld>
-</file>
-
-<file path=ppt/slides/slide9.xml><?xml version="1.0" encoding="utf-8"?>
-<p:sld xmlns:a="http://schemas.openxmlformats.org/drawingml/2006/main" xmlns:r="http://schemas.openxmlformats.org/officeDocument/2006/relationships" xmlns:p="http://schemas.openxmlformats.org/presentationml/2006/main">
-  <p:cSld>
-    <p:spTree>
-      <p:nvGrpSpPr>
-        <p:cNvPr id="1" name=""/>
-        <p:cNvGrpSpPr/>
-        <p:nvPr/>
-      </p:nvGrpSpPr>
-      <p:grpSpPr>
-        <a:xfrm>
-          <a:off x="0" y="0"/>
-          <a:ext cx="0" cy="0"/>
-          <a:chOff x="0" y="0"/>
-          <a:chExt cx="0" cy="0"/>
-        </a:xfrm>
-      </p:grpSpPr>
-      <p:pic>
-        <p:nvPicPr>
-          <p:cNvPr id="5" name="Content Placeholder 4">
-            <a:extLst>
-              <a:ext uri="{FF2B5EF4-FFF2-40B4-BE49-F238E27FC236}">
-                <a16:creationId xmlns:a16="http://schemas.microsoft.com/office/drawing/2014/main" id="{C9893BF1-1361-4BB9-9F63-E4B5B776B06E}"/>
-              </a:ext>
-            </a:extLst>
-          </p:cNvPr>
-          <p:cNvPicPr>
-            <a:picLocks noGrp="1" noChangeAspect="1"/>
-          </p:cNvPicPr>
-          <p:nvPr>
-            <p:ph idx="1"/>
-          </p:nvPr>
-        </p:nvPicPr>
-        <p:blipFill>
-          <a:blip r:embed="rId2"/>
-          <a:stretch>
-            <a:fillRect/>
-          </a:stretch>
-        </p:blipFill>
-        <p:spPr>
-          <a:xfrm>
-            <a:off x="877758" y="274782"/>
-            <a:ext cx="10204999" cy="6308435"/>
-          </a:xfrm>
-        </p:spPr>
-      </p:pic>
-    </p:spTree>
-    <p:extLst>
-      <p:ext uri="{BB962C8B-B14F-4D97-AF65-F5344CB8AC3E}">
-        <p14:creationId xmlns:p14="http://schemas.microsoft.com/office/powerpoint/2010/main" val="2630258972"/>
-      </p:ext>
-    </p:extLst>
-  </p:cSld>
-  <p:clrMapOvr>
-    <a:masterClrMapping/>
-  </p:clrMapOvr>
-  <mc:AlternateContent xmlns:mc="http://schemas.openxmlformats.org/markup-compatibility/2006">
-    <mc:Choice xmlns:p14="http://schemas.microsoft.com/office/powerpoint/2010/main" Requires="p14">
-      <p:transition spd="slow" p14:dur="3400">
-        <p14:reveal/>
-      </p:transition>
-    </mc:Choice>
-    <mc:Fallback>
-      <p:transition spd="slow">
         <p:fade/>
       </p:transition>
     </mc:Fallback>
